--- a/文档/综述.pptx
+++ b/文档/综述.pptx
@@ -6,6 +6,7 @@
   </p:sldMasterIdLst>
   <p:sldIdLst>
     <p:sldId id="256" r:id="rId3"/>
+    <p:sldId id="257" r:id="rId4"/>
   </p:sldIdLst>
   <p:sldSz cx="12192000" cy="6858000"/>
   <p:notesSz cx="7103745" cy="10234295"/>
@@ -2629,7 +2630,7 @@
         <p:spPr>
           <a:xfrm>
             <a:off x="2472055" y="1166495"/>
-            <a:ext cx="16759555" cy="3969385"/>
+            <a:ext cx="16759555" cy="4523105"/>
           </a:xfrm>
           <a:prstGeom prst="rect">
             <a:avLst/>
@@ -2722,6 +2723,102 @@
           </a:p>
           <a:p>
             <a:pPr algn="l"/>
+            <a:endParaRPr lang="zh-CN" altLang="en-US"/>
+          </a:p>
+          <a:p>
+            <a:pPr algn="l"/>
+            <a:r>
+              <a:rPr lang="zh-CN" altLang="en-US"/>
+              <a:t>雷神的项目汇总博客：https://blog.csdn.net/leixiaohua1020/article/details/42658139</a:t>
+            </a:r>
+            <a:endParaRPr lang="zh-CN" altLang="en-US"/>
+          </a:p>
+          <a:p>
+            <a:pPr algn="l"/>
+            <a:endParaRPr lang="zh-CN" altLang="en-US"/>
+          </a:p>
+        </p:txBody>
+      </p:sp>
+    </p:spTree>
+  </p:cSld>
+  <p:clrMapOvr>
+    <a:masterClrMapping/>
+  </p:clrMapOvr>
+</p:sld>
+</file>
+
+<file path=ppt/slides/slide2.xml><?xml version="1.0" encoding="utf-8"?>
+<p:sld xmlns:a="http://schemas.openxmlformats.org/drawingml/2006/main" xmlns:r="http://schemas.openxmlformats.org/officeDocument/2006/relationships" xmlns:p="http://schemas.openxmlformats.org/presentationml/2006/main">
+  <p:cSld>
+    <p:spTree>
+      <p:nvGrpSpPr>
+        <p:cNvPr id="1" name=""/>
+        <p:cNvGrpSpPr/>
+        <p:nvPr/>
+      </p:nvGrpSpPr>
+      <p:grpSpPr/>
+      <p:sp>
+        <p:nvSpPr>
+          <p:cNvPr id="2" name="标题 1"/>
+          <p:cNvSpPr>
+            <a:spLocks noGrp="1"/>
+          </p:cNvSpPr>
+          <p:nvPr>
+            <p:ph type="title"/>
+          </p:nvPr>
+        </p:nvSpPr>
+        <p:spPr/>
+        <p:txBody>
+          <a:bodyPr/>
+          <a:p>
+            <a:endParaRPr lang="zh-CN" altLang="en-US"/>
+          </a:p>
+        </p:txBody>
+      </p:sp>
+      <p:sp>
+        <p:nvSpPr>
+          <p:cNvPr id="3" name="内容占位符 2"/>
+          <p:cNvSpPr>
+            <a:spLocks noGrp="1"/>
+          </p:cNvSpPr>
+          <p:nvPr>
+            <p:ph idx="1"/>
+          </p:nvPr>
+        </p:nvSpPr>
+        <p:spPr/>
+        <p:txBody>
+          <a:bodyPr>
+            <a:normAutofit/>
+          </a:bodyPr>
+          <a:p>
+            <a:r>
+              <a:rPr lang="zh-CN" altLang="en-US"/>
+              <a:t>协议层（Protocol Layer）：该层处理的数据为符合特定流媒体协议规范的数据，例如http，rtmp，file等。</a:t>
+            </a:r>
+            <a:endParaRPr lang="zh-CN" altLang="en-US"/>
+          </a:p>
+          <a:p>
+            <a:r>
+              <a:rPr lang="zh-CN" altLang="en-US"/>
+              <a:t>封装层（Format Layer）：该层处理的数据为符合特定封装格式规范的数据，例如mkv，mp4，flv，mpegts，avi等。</a:t>
+            </a:r>
+            <a:endParaRPr lang="zh-CN" altLang="en-US"/>
+          </a:p>
+          <a:p>
+            <a:r>
+              <a:rPr lang="zh-CN" altLang="en-US"/>
+              <a:t>编码层（Codec Layer）：该层处理的数据为符合特定编码标准规范的数据，例如h264，h265，mpeg2，mpeg4等。</a:t>
+            </a:r>
+            <a:endParaRPr lang="zh-CN" altLang="en-US"/>
+          </a:p>
+          <a:p>
+            <a:r>
+              <a:rPr lang="zh-CN" altLang="en-US"/>
+              <a:t>像素层（Pixel Layer）：该层处理的数据为符合特定像素格式规范的数据，例如yuv420p，yuv422p，yuv444p，rgb24等</a:t>
+            </a:r>
+            <a:endParaRPr lang="zh-CN" altLang="en-US"/>
+          </a:p>
+          <a:p>
             <a:endParaRPr lang="zh-CN" altLang="en-US"/>
           </a:p>
         </p:txBody>

--- a/文档/综述.pptx
+++ b/文档/综述.pptx
@@ -7,6 +7,7 @@
   <p:sldIdLst>
     <p:sldId id="256" r:id="rId3"/>
     <p:sldId id="257" r:id="rId4"/>
+    <p:sldId id="258" r:id="rId5"/>
   </p:sldIdLst>
   <p:sldSz cx="12192000" cy="6858000"/>
   <p:notesSz cx="7103745" cy="10234295"/>
@@ -2831,6 +2832,112 @@
 </p:sld>
 </file>
 
+<file path=ppt/slides/slide3.xml><?xml version="1.0" encoding="utf-8"?>
+<p:sld xmlns:a="http://schemas.openxmlformats.org/drawingml/2006/main" xmlns:r="http://schemas.openxmlformats.org/officeDocument/2006/relationships" xmlns:p="http://schemas.openxmlformats.org/presentationml/2006/main">
+  <p:cSld>
+    <p:spTree>
+      <p:nvGrpSpPr>
+        <p:cNvPr id="1" name=""/>
+        <p:cNvGrpSpPr/>
+        <p:nvPr/>
+      </p:nvGrpSpPr>
+      <p:grpSpPr/>
+      <p:sp>
+        <p:nvSpPr>
+          <p:cNvPr id="2" name="标题 1"/>
+          <p:cNvSpPr>
+            <a:spLocks noGrp="1"/>
+          </p:cNvSpPr>
+          <p:nvPr>
+            <p:ph type="title"/>
+          </p:nvPr>
+        </p:nvSpPr>
+        <p:spPr/>
+        <p:txBody>
+          <a:bodyPr/>
+          <a:p>
+            <a:endParaRPr lang="zh-CN" altLang="en-US"/>
+          </a:p>
+        </p:txBody>
+      </p:sp>
+      <p:sp>
+        <p:nvSpPr>
+          <p:cNvPr id="3" name="内容占位符 2"/>
+          <p:cNvSpPr>
+            <a:spLocks noGrp="1"/>
+          </p:cNvSpPr>
+          <p:nvPr>
+            <p:ph idx="1"/>
+          </p:nvPr>
+        </p:nvSpPr>
+        <p:spPr/>
+        <p:txBody>
+          <a:bodyPr/>
+          <a:p>
+            <a:r>
+              <a:rPr lang="zh-CN" altLang="en-US"/>
+              <a:t>关于各个协议的参考网址</a:t>
+            </a:r>
+            <a:endParaRPr lang="zh-CN" altLang="en-US"/>
+          </a:p>
+          <a:p>
+            <a:r>
+              <a:rPr lang="zh-CN" altLang="en-US"/>
+              <a:t>https://blog.csdn.net/FrankieWang008/article/details/7665547?depth_1-utm_source=distribute.pc_relevant.none-task&amp;utm_source=distribute.pc_relevant.none-task</a:t>
+            </a:r>
+            <a:endParaRPr lang="zh-CN" altLang="en-US"/>
+          </a:p>
+          <a:p>
+            <a:r>
+              <a:rPr lang="zh-CN" altLang="en-US"/>
+              <a:t>RTMP/RTP/RTSP/RTCP的区别</a:t>
+            </a:r>
+            <a:endParaRPr lang="zh-CN" altLang="en-US"/>
+          </a:p>
+          <a:p>
+            <a:r>
+              <a:rPr lang="zh-CN" altLang="en-US"/>
+              <a:t>首先</a:t>
+            </a:r>
+            <a:r>
+              <a:rPr lang="en-US" altLang="zh-CN"/>
+              <a:t>rtmp,rtp</a:t>
+            </a:r>
+            <a:r>
+              <a:rPr lang="zh-CN" altLang="en-US"/>
+              <a:t>，</a:t>
+            </a:r>
+            <a:r>
+              <a:rPr lang="en-US" altLang="zh-CN"/>
+              <a:t>rtcp</a:t>
+            </a:r>
+            <a:r>
+              <a:rPr lang="zh-CN" altLang="en-US"/>
+              <a:t>都是传输层协议</a:t>
+            </a:r>
+            <a:endParaRPr lang="zh-CN" altLang="en-US"/>
+          </a:p>
+          <a:p>
+            <a:r>
+              <a:rPr lang="en-US" altLang="zh-CN"/>
+              <a:t>rtsp</a:t>
+            </a:r>
+            <a:r>
+              <a:rPr lang="zh-CN" altLang="en-US"/>
+              <a:t>是应用层协议</a:t>
+            </a:r>
+            <a:endParaRPr lang="zh-CN" altLang="en-US"/>
+          </a:p>
+        </p:txBody>
+      </p:sp>
+    </p:spTree>
+  </p:cSld>
+  <p:clrMapOvr>
+    <a:masterClrMapping/>
+  </p:clrMapOvr>
+</p:sld>
+</file>
+
 <file path=ppt/theme/theme1.xml><?xml version="1.0" encoding="utf-8"?>
 <a:theme xmlns:a="http://schemas.openxmlformats.org/drawingml/2006/main" name="Office 主题">
   <a:themeElements>
